--- a/Презентация_hse21_H3K9me3_G4_human.pptx
+++ b/Презентация_hse21_H3K9me3_G4_human.pptx
@@ -8,16 +8,17 @@
     <p:sldId id="256" r:id="rId2"/>
     <p:sldId id="257" r:id="rId3"/>
     <p:sldId id="258" r:id="rId4"/>
-    <p:sldId id="259" r:id="rId5"/>
-    <p:sldId id="260" r:id="rId6"/>
-    <p:sldId id="261" r:id="rId7"/>
-    <p:sldId id="262" r:id="rId8"/>
-    <p:sldId id="263" r:id="rId9"/>
-    <p:sldId id="264" r:id="rId10"/>
-    <p:sldId id="265" r:id="rId11"/>
-    <p:sldId id="266" r:id="rId12"/>
-    <p:sldId id="267" r:id="rId13"/>
-    <p:sldId id="268" r:id="rId14"/>
+    <p:sldId id="269" r:id="rId5"/>
+    <p:sldId id="259" r:id="rId6"/>
+    <p:sldId id="260" r:id="rId7"/>
+    <p:sldId id="261" r:id="rId8"/>
+    <p:sldId id="262" r:id="rId9"/>
+    <p:sldId id="263" r:id="rId10"/>
+    <p:sldId id="264" r:id="rId11"/>
+    <p:sldId id="265" r:id="rId12"/>
+    <p:sldId id="266" r:id="rId13"/>
+    <p:sldId id="267" r:id="rId14"/>
+    <p:sldId id="268" r:id="rId15"/>
   </p:sldIdLst>
   <p:sldSz cx="12192000" cy="6858000"/>
   <p:notesSz cx="6858000" cy="9144000"/>
@@ -116,6 +117,11 @@
       </a:defRPr>
     </a:lvl9pPr>
   </p:defaultTextStyle>
+  <p:extLst>
+    <p:ext uri="{EFAFB233-063F-42B5-8137-9DF3F51BA10A}">
+      <p15:sldGuideLst xmlns:p15="http://schemas.microsoft.com/office/powerpoint/2012/main"/>
+    </p:ext>
+  </p:extLst>
 </p:presentation>
 </file>
 
@@ -3495,63 +3501,6 @@
           </a:p>
         </p:txBody>
       </p:sp>
-      <p:sp>
-        <p:nvSpPr>
-          <p:cNvPr id="6" name="TextBox 5">
-            <a:extLst>
-              <a:ext uri="{FF2B5EF4-FFF2-40B4-BE49-F238E27FC236}">
-                <a16:creationId xmlns:a16="http://schemas.microsoft.com/office/drawing/2014/main" id="{C49EEEC3-DF57-4164-8C13-0E0F43976603}"/>
-              </a:ext>
-            </a:extLst>
-          </p:cNvPr>
-          <p:cNvSpPr txBox="1"/>
-          <p:nvPr/>
-        </p:nvSpPr>
-        <p:spPr>
-          <a:xfrm>
-            <a:off x="469640" y="4545783"/>
-            <a:ext cx="6097554" cy="1200329"/>
-          </a:xfrm>
-          <a:prstGeom prst="rect">
-            <a:avLst/>
-          </a:prstGeom>
-          <a:noFill/>
-        </p:spPr>
-        <p:txBody>
-          <a:bodyPr wrap="square">
-            <a:spAutoFit/>
-          </a:bodyPr>
-          <a:lstStyle/>
-          <a:p>
-            <a:r>
-              <a:rPr lang="ru-RU" dirty="0"/>
-              <a:t>Выполнили презентацию:</a:t>
-            </a:r>
-          </a:p>
-          <a:p>
-            <a:r>
-              <a:rPr lang="ru-RU" dirty="0"/>
-              <a:t>Ляхова Ксения,</a:t>
-            </a:r>
-          </a:p>
-          <a:p>
-            <a:r>
-              <a:rPr lang="ru-RU" dirty="0" err="1"/>
-              <a:t>Мелихедов</a:t>
-            </a:r>
-            <a:r>
-              <a:rPr lang="ru-RU" dirty="0"/>
-              <a:t> Артем,</a:t>
-            </a:r>
-          </a:p>
-          <a:p>
-            <a:r>
-              <a:rPr lang="ru-RU" dirty="0"/>
-              <a:t>Усенкова Мария</a:t>
-            </a:r>
-          </a:p>
-        </p:txBody>
-      </p:sp>
     </p:spTree>
     <p:extLst>
       <p:ext uri="{BB962C8B-B14F-4D97-AF65-F5344CB8AC3E}">
@@ -3566,6 +3515,132 @@
 </file>
 
 <file path=ppt/slides/slide10.xml><?xml version="1.0" encoding="utf-8"?>
+<p:sld xmlns:a="http://schemas.openxmlformats.org/drawingml/2006/main" xmlns:r="http://schemas.openxmlformats.org/officeDocument/2006/relationships" xmlns:p="http://schemas.openxmlformats.org/presentationml/2006/main">
+  <p:cSld>
+    <p:spTree>
+      <p:nvGrpSpPr>
+        <p:cNvPr id="1" name=""/>
+        <p:cNvGrpSpPr/>
+        <p:nvPr/>
+      </p:nvGrpSpPr>
+      <p:grpSpPr>
+        <a:xfrm>
+          <a:off x="0" y="0"/>
+          <a:ext cx="0" cy="0"/>
+          <a:chOff x="0" y="0"/>
+          <a:chExt cx="0" cy="0"/>
+        </a:xfrm>
+      </p:grpSpPr>
+      <p:sp>
+        <p:nvSpPr>
+          <p:cNvPr id="2" name="Заголовок 1">
+            <a:extLst>
+              <a:ext uri="{FF2B5EF4-FFF2-40B4-BE49-F238E27FC236}">
+                <a16:creationId xmlns:a16="http://schemas.microsoft.com/office/drawing/2014/main" id="{1D4BE45E-C917-4392-8042-E514E7AC4F16}"/>
+              </a:ext>
+            </a:extLst>
+          </p:cNvPr>
+          <p:cNvSpPr>
+            <a:spLocks noGrp="1"/>
+          </p:cNvSpPr>
+          <p:nvPr>
+            <p:ph type="title"/>
+          </p:nvPr>
+        </p:nvSpPr>
+        <p:spPr/>
+        <p:txBody>
+          <a:bodyPr/>
+          <a:lstStyle/>
+          <a:p>
+            <a:r>
+              <a:rPr lang="ru-RU" dirty="0"/>
+              <a:t>Данные из Геномного Браузера</a:t>
+            </a:r>
+          </a:p>
+        </p:txBody>
+      </p:sp>
+      <p:pic>
+        <p:nvPicPr>
+          <p:cNvPr id="5" name="Рисунок 4">
+            <a:extLst>
+              <a:ext uri="{FF2B5EF4-FFF2-40B4-BE49-F238E27FC236}">
+                <a16:creationId xmlns:a16="http://schemas.microsoft.com/office/drawing/2014/main" id="{C86834E4-893F-4936-9A4D-1AF4506B5C3F}"/>
+              </a:ext>
+            </a:extLst>
+          </p:cNvPr>
+          <p:cNvPicPr>
+            <a:picLocks noChangeAspect="1"/>
+          </p:cNvPicPr>
+          <p:nvPr/>
+        </p:nvPicPr>
+        <p:blipFill>
+          <a:blip r:embed="rId2"/>
+          <a:stretch>
+            <a:fillRect/>
+          </a:stretch>
+        </p:blipFill>
+        <p:spPr>
+          <a:xfrm>
+            <a:off x="914400" y="1480739"/>
+            <a:ext cx="10045959" cy="4338028"/>
+          </a:xfrm>
+          <a:prstGeom prst="rect">
+            <a:avLst/>
+          </a:prstGeom>
+        </p:spPr>
+      </p:pic>
+      <p:sp>
+        <p:nvSpPr>
+          <p:cNvPr id="7" name="TextBox 6">
+            <a:extLst>
+              <a:ext uri="{FF2B5EF4-FFF2-40B4-BE49-F238E27FC236}">
+                <a16:creationId xmlns:a16="http://schemas.microsoft.com/office/drawing/2014/main" id="{99FD1609-1CF3-4480-B153-79B9A22BF9B1}"/>
+              </a:ext>
+            </a:extLst>
+          </p:cNvPr>
+          <p:cNvSpPr txBox="1"/>
+          <p:nvPr/>
+        </p:nvSpPr>
+        <p:spPr>
+          <a:xfrm>
+            <a:off x="838200" y="6029426"/>
+            <a:ext cx="10386527" cy="369332"/>
+          </a:xfrm>
+          <a:prstGeom prst="rect">
+            <a:avLst/>
+          </a:prstGeom>
+          <a:noFill/>
+        </p:spPr>
+        <p:txBody>
+          <a:bodyPr wrap="square">
+            <a:spAutoFit/>
+          </a:bodyPr>
+          <a:lstStyle/>
+          <a:p>
+            <a:r>
+              <a:rPr lang="ru-RU" dirty="0">
+                <a:hlinkClick r:id="rId3"/>
+              </a:rPr>
+              <a:t>http://genome.ucsc.edu/s/mausenkova/hse21_H3K9me3_G4_human_group</a:t>
+            </a:r>
+            <a:endParaRPr lang="ru-RU" dirty="0"/>
+          </a:p>
+        </p:txBody>
+      </p:sp>
+    </p:spTree>
+    <p:extLst>
+      <p:ext uri="{BB962C8B-B14F-4D97-AF65-F5344CB8AC3E}">
+        <p14:creationId xmlns:p14="http://schemas.microsoft.com/office/powerpoint/2010/main" val="2995368199"/>
+      </p:ext>
+    </p:extLst>
+  </p:cSld>
+  <p:clrMapOvr>
+    <a:masterClrMapping/>
+  </p:clrMapOvr>
+</p:sld>
+</file>
+
+<file path=ppt/slides/slide11.xml><?xml version="1.0" encoding="utf-8"?>
 <p:sld xmlns:a="http://schemas.openxmlformats.org/drawingml/2006/main" xmlns:r="http://schemas.openxmlformats.org/officeDocument/2006/relationships" xmlns:p="http://schemas.openxmlformats.org/presentationml/2006/main">
   <p:cSld>
     <p:spTree>
@@ -3824,7 +3899,7 @@
 </p:sld>
 </file>
 
-<file path=ppt/slides/slide11.xml><?xml version="1.0" encoding="utf-8"?>
+<file path=ppt/slides/slide12.xml><?xml version="1.0" encoding="utf-8"?>
 <p:sld xmlns:a="http://schemas.openxmlformats.org/drawingml/2006/main" xmlns:r="http://schemas.openxmlformats.org/officeDocument/2006/relationships" xmlns:p="http://schemas.openxmlformats.org/presentationml/2006/main">
   <p:cSld>
     <p:spTree>
@@ -3915,7 +3990,7 @@
 </p:sld>
 </file>
 
-<file path=ppt/slides/slide12.xml><?xml version="1.0" encoding="utf-8"?>
+<file path=ppt/slides/slide13.xml><?xml version="1.0" encoding="utf-8"?>
 <p:sld xmlns:a="http://schemas.openxmlformats.org/drawingml/2006/main" xmlns:r="http://schemas.openxmlformats.org/officeDocument/2006/relationships" xmlns:p="http://schemas.openxmlformats.org/presentationml/2006/main">
   <p:cSld>
     <p:spTree>
@@ -4263,7 +4338,7 @@
 </p:sld>
 </file>
 
-<file path=ppt/slides/slide13.xml><?xml version="1.0" encoding="utf-8"?>
+<file path=ppt/slides/slide14.xml><?xml version="1.0" encoding="utf-8"?>
 <p:sld xmlns:a="http://schemas.openxmlformats.org/drawingml/2006/main" xmlns:r="http://schemas.openxmlformats.org/officeDocument/2006/relationships" xmlns:p="http://schemas.openxmlformats.org/presentationml/2006/main">
   <p:cSld>
     <p:spTree>
@@ -4734,8 +4809,8 @@
         </p:nvSpPr>
         <p:spPr>
           <a:xfrm>
-            <a:off x="838200" y="2410418"/>
-            <a:ext cx="9724053" cy="2308324"/>
+            <a:off x="376288" y="2580101"/>
+            <a:ext cx="8890262" cy="2308324"/>
           </a:xfrm>
           <a:prstGeom prst="rect">
             <a:avLst/>
@@ -4918,6 +4993,36 @@
           </a:p>
         </p:txBody>
       </p:sp>
+      <p:pic>
+        <p:nvPicPr>
+          <p:cNvPr id="3" name="Рисунок 2">
+            <a:extLst>
+              <a:ext uri="{FF2B5EF4-FFF2-40B4-BE49-F238E27FC236}">
+                <a16:creationId xmlns:a16="http://schemas.microsoft.com/office/drawing/2014/main" id="{DE908D1B-6835-4A5B-B507-ADAE5CB22EDE}"/>
+              </a:ext>
+            </a:extLst>
+          </p:cNvPr>
+          <p:cNvPicPr>
+            <a:picLocks noChangeAspect="1"/>
+          </p:cNvPicPr>
+          <p:nvPr/>
+        </p:nvPicPr>
+        <p:blipFill>
+          <a:blip r:embed="rId2"/>
+          <a:stretch>
+            <a:fillRect/>
+          </a:stretch>
+        </p:blipFill>
+        <p:spPr>
+          <a:xfrm>
+            <a:off x="9601691" y="1690688"/>
+            <a:ext cx="2038350" cy="3590925"/>
+          </a:xfrm>
+          <a:prstGeom prst="rect">
+            <a:avLst/>
+          </a:prstGeom>
+        </p:spPr>
+      </p:pic>
     </p:spTree>
     <p:extLst>
       <p:ext uri="{BB962C8B-B14F-4D97-AF65-F5344CB8AC3E}">
@@ -5040,6 +5145,117 @@
           <p:cNvPr id="2" name="Заголовок 1">
             <a:extLst>
               <a:ext uri="{FF2B5EF4-FFF2-40B4-BE49-F238E27FC236}">
+                <a16:creationId xmlns:a16="http://schemas.microsoft.com/office/drawing/2014/main" id="{00D343AF-6F3B-4F7C-A079-0510D7E5E999}"/>
+              </a:ext>
+            </a:extLst>
+          </p:cNvPr>
+          <p:cNvSpPr>
+            <a:spLocks noGrp="1"/>
+          </p:cNvSpPr>
+          <p:nvPr>
+            <p:ph type="title"/>
+          </p:nvPr>
+        </p:nvSpPr>
+        <p:spPr/>
+        <p:txBody>
+          <a:bodyPr/>
+          <a:lstStyle/>
+          <a:p>
+            <a:r>
+              <a:rPr lang="ru-RU" dirty="0"/>
+              <a:t>Представленные типы клеток</a:t>
+            </a:r>
+          </a:p>
+        </p:txBody>
+      </p:sp>
+      <p:sp>
+        <p:nvSpPr>
+          <p:cNvPr id="3" name="Объект 2">
+            <a:extLst>
+              <a:ext uri="{FF2B5EF4-FFF2-40B4-BE49-F238E27FC236}">
+                <a16:creationId xmlns:a16="http://schemas.microsoft.com/office/drawing/2014/main" id="{3665A9A9-DD57-4CE2-8726-2311479BA244}"/>
+              </a:ext>
+            </a:extLst>
+          </p:cNvPr>
+          <p:cNvSpPr>
+            <a:spLocks noGrp="1"/>
+          </p:cNvSpPr>
+          <p:nvPr>
+            <p:ph idx="1"/>
+          </p:nvPr>
+        </p:nvSpPr>
+        <p:spPr>
+          <a:xfrm>
+            <a:off x="838200" y="2790334"/>
+            <a:ext cx="10515600" cy="3000130"/>
+          </a:xfrm>
+        </p:spPr>
+        <p:txBody>
+          <a:bodyPr/>
+          <a:lstStyle/>
+          <a:p>
+            <a:r>
+              <a:rPr lang="ru-RU" dirty="0"/>
+              <a:t>H1 - эмбриональная стволовая клетка</a:t>
+            </a:r>
+          </a:p>
+          <a:p>
+            <a:r>
+              <a:rPr lang="ru-RU" dirty="0"/>
+              <a:t>H9 - линия клеток лимфомы T клеток</a:t>
+            </a:r>
+          </a:p>
+          <a:p>
+            <a:r>
+              <a:rPr lang="ru-RU" dirty="0"/>
+              <a:t>A549 - клеточная линия </a:t>
+            </a:r>
+            <a:r>
+              <a:rPr lang="ru-RU" dirty="0" err="1"/>
+              <a:t>аденокарценомы</a:t>
+            </a:r>
+            <a:r>
+              <a:rPr lang="ru-RU" dirty="0"/>
+              <a:t> альвеол</a:t>
+            </a:r>
+          </a:p>
+        </p:txBody>
+      </p:sp>
+    </p:spTree>
+    <p:extLst>
+      <p:ext uri="{BB962C8B-B14F-4D97-AF65-F5344CB8AC3E}">
+        <p14:creationId xmlns:p14="http://schemas.microsoft.com/office/powerpoint/2010/main" val="1872106650"/>
+      </p:ext>
+    </p:extLst>
+  </p:cSld>
+  <p:clrMapOvr>
+    <a:masterClrMapping/>
+  </p:clrMapOvr>
+</p:sld>
+</file>
+
+<file path=ppt/slides/slide5.xml><?xml version="1.0" encoding="utf-8"?>
+<p:sld xmlns:a="http://schemas.openxmlformats.org/drawingml/2006/main" xmlns:r="http://schemas.openxmlformats.org/officeDocument/2006/relationships" xmlns:p="http://schemas.openxmlformats.org/presentationml/2006/main">
+  <p:cSld>
+    <p:spTree>
+      <p:nvGrpSpPr>
+        <p:cNvPr id="1" name=""/>
+        <p:cNvGrpSpPr/>
+        <p:nvPr/>
+      </p:nvGrpSpPr>
+      <p:grpSpPr>
+        <a:xfrm>
+          <a:off x="0" y="0"/>
+          <a:ext cx="0" cy="0"/>
+          <a:chOff x="0" y="0"/>
+          <a:chExt cx="0" cy="0"/>
+        </a:xfrm>
+      </p:grpSpPr>
+      <p:sp>
+        <p:nvSpPr>
+          <p:cNvPr id="2" name="Заголовок 1">
+            <a:extLst>
+              <a:ext uri="{FF2B5EF4-FFF2-40B4-BE49-F238E27FC236}">
                 <a16:creationId xmlns:a16="http://schemas.microsoft.com/office/drawing/2014/main" id="{9890405B-66B8-41BD-9021-76C040D530CA}"/>
               </a:ext>
             </a:extLst>
@@ -5212,8 +5428,8 @@
         </p:nvSpPr>
         <p:spPr>
           <a:xfrm>
-            <a:off x="10648396" y="587472"/>
-            <a:ext cx="949555" cy="369332"/>
+            <a:off x="10326958" y="488463"/>
+            <a:ext cx="1327864" cy="369332"/>
           </a:xfrm>
           <a:prstGeom prst="rect">
             <a:avLst/>
@@ -5227,12 +5443,8 @@
           <a:lstStyle/>
           <a:p>
             <a:r>
-              <a:rPr lang="en-US" dirty="0" err="1"/>
-              <a:t>ChIP</a:t>
-            </a:r>
-            <a:r>
               <a:rPr lang="en-US" dirty="0"/>
-              <a:t>, H9</a:t>
+              <a:t>G4_ChIP, H9</a:t>
             </a:r>
             <a:endParaRPr lang="ru-RU" dirty="0"/>
           </a:p>
@@ -5359,7 +5571,7 @@
 </p:sld>
 </file>
 
-<file path=ppt/slides/slide5.xml><?xml version="1.0" encoding="utf-8"?>
+<file path=ppt/slides/slide6.xml><?xml version="1.0" encoding="utf-8"?>
 <p:sld xmlns:a="http://schemas.openxmlformats.org/drawingml/2006/main" xmlns:r="http://schemas.openxmlformats.org/officeDocument/2006/relationships" xmlns:p="http://schemas.openxmlformats.org/presentationml/2006/main">
   <p:cSld>
     <p:spTree>
@@ -5564,329 +5776,6 @@
 </p:sld>
 </file>
 
-<file path=ppt/slides/slide6.xml><?xml version="1.0" encoding="utf-8"?>
-<p:sld xmlns:a="http://schemas.openxmlformats.org/drawingml/2006/main" xmlns:r="http://schemas.openxmlformats.org/officeDocument/2006/relationships" xmlns:p="http://schemas.openxmlformats.org/presentationml/2006/main">
-  <p:cSld>
-    <p:spTree>
-      <p:nvGrpSpPr>
-        <p:cNvPr id="1" name=""/>
-        <p:cNvGrpSpPr/>
-        <p:nvPr/>
-      </p:nvGrpSpPr>
-      <p:grpSpPr>
-        <a:xfrm>
-          <a:off x="0" y="0"/>
-          <a:ext cx="0" cy="0"/>
-          <a:chOff x="0" y="0"/>
-          <a:chExt cx="0" cy="0"/>
-        </a:xfrm>
-      </p:grpSpPr>
-      <p:sp>
-        <p:nvSpPr>
-          <p:cNvPr id="2" name="Заголовок 1">
-            <a:extLst>
-              <a:ext uri="{FF2B5EF4-FFF2-40B4-BE49-F238E27FC236}">
-                <a16:creationId xmlns:a16="http://schemas.microsoft.com/office/drawing/2014/main" id="{E63CF956-312E-4C14-94B4-AFB6D2B459C8}"/>
-              </a:ext>
-            </a:extLst>
-          </p:cNvPr>
-          <p:cNvSpPr>
-            <a:spLocks noGrp="1"/>
-          </p:cNvSpPr>
-          <p:nvPr>
-            <p:ph type="title"/>
-          </p:nvPr>
-        </p:nvSpPr>
-        <p:spPr/>
-        <p:txBody>
-          <a:bodyPr/>
-          <a:lstStyle/>
-          <a:p>
-            <a:r>
-              <a:rPr lang="ru-RU" dirty="0"/>
-              <a:t>Что было сделано?</a:t>
-            </a:r>
-          </a:p>
-        </p:txBody>
-      </p:sp>
-      <p:sp>
-        <p:nvSpPr>
-          <p:cNvPr id="4" name="TextBox 3">
-            <a:extLst>
-              <a:ext uri="{FF2B5EF4-FFF2-40B4-BE49-F238E27FC236}">
-                <a16:creationId xmlns:a16="http://schemas.microsoft.com/office/drawing/2014/main" id="{6876F5AB-F926-4E67-A1F6-9CF488468075}"/>
-              </a:ext>
-            </a:extLst>
-          </p:cNvPr>
-          <p:cNvSpPr txBox="1"/>
-          <p:nvPr/>
-        </p:nvSpPr>
-        <p:spPr>
-          <a:xfrm>
-            <a:off x="631370" y="1499510"/>
-            <a:ext cx="10722430" cy="4062651"/>
-          </a:xfrm>
-          <a:prstGeom prst="rect">
-            <a:avLst/>
-          </a:prstGeom>
-          <a:noFill/>
-        </p:spPr>
-        <p:txBody>
-          <a:bodyPr wrap="square">
-            <a:spAutoFit/>
-          </a:bodyPr>
-          <a:lstStyle/>
-          <a:p>
-            <a:pPr marL="285750" indent="-285750">
-              <a:buFont typeface="Arial" panose="020B0604020202020204" pitchFamily="34" charset="0"/>
-              <a:buChar char="•"/>
-            </a:pPr>
-            <a:r>
-              <a:rPr lang="ru-RU" sz="2000" dirty="0">
-                <a:solidFill>
-                  <a:srgbClr val="000000"/>
-                </a:solidFill>
-                <a:latin typeface="Arial" panose="020B0604020202020204" pitchFamily="34" charset="0"/>
-              </a:rPr>
-              <a:t>К</a:t>
-            </a:r>
-            <a:r>
-              <a:rPr lang="ru-RU" sz="2000" b="0" i="0" u="none" strike="noStrike" dirty="0">
-                <a:solidFill>
-                  <a:srgbClr val="000000"/>
-                </a:solidFill>
-                <a:effectLst/>
-                <a:latin typeface="Arial" panose="020B0604020202020204" pitchFamily="34" charset="0"/>
-              </a:rPr>
-              <a:t>онвертация пиков мыши в пики человека не делалась</a:t>
-            </a:r>
-            <a:endParaRPr lang="en-US" sz="2000" b="0" i="0" u="none" strike="noStrike" dirty="0">
-              <a:solidFill>
-                <a:srgbClr val="000000"/>
-              </a:solidFill>
-              <a:effectLst/>
-              <a:latin typeface="Arial" panose="020B0604020202020204" pitchFamily="34" charset="0"/>
-            </a:endParaRPr>
-          </a:p>
-          <a:p>
-            <a:endParaRPr lang="en-US" sz="2000" b="0" i="0" u="none" strike="noStrike" dirty="0">
-              <a:solidFill>
-                <a:srgbClr val="000000"/>
-              </a:solidFill>
-              <a:effectLst/>
-              <a:latin typeface="Arial" panose="020B0604020202020204" pitchFamily="34" charset="0"/>
-            </a:endParaRPr>
-          </a:p>
-          <a:p>
-            <a:pPr marL="285750" indent="-285750">
-              <a:buFont typeface="Arial" panose="020B0604020202020204" pitchFamily="34" charset="0"/>
-              <a:buChar char="•"/>
-            </a:pPr>
-            <a:r>
-              <a:rPr lang="ru-RU" sz="2000" b="0" i="0" u="none" strike="noStrike" dirty="0">
-                <a:solidFill>
-                  <a:srgbClr val="000000"/>
-                </a:solidFill>
-                <a:effectLst/>
-                <a:latin typeface="Arial" panose="020B0604020202020204" pitchFamily="34" charset="0"/>
-              </a:rPr>
-              <a:t>Было с</a:t>
-            </a:r>
-            <a:r>
-              <a:rPr lang="ru-RU" sz="2000" dirty="0">
-                <a:solidFill>
-                  <a:srgbClr val="000000"/>
-                </a:solidFill>
-                <a:latin typeface="Arial" panose="020B0604020202020204" pitchFamily="34" charset="0"/>
-              </a:rPr>
-              <a:t>делано пересечение с помощью следующей команды:</a:t>
-            </a:r>
-          </a:p>
-          <a:p>
-            <a:endParaRPr lang="ru-RU" sz="2000" dirty="0">
-              <a:solidFill>
-                <a:srgbClr val="000000"/>
-              </a:solidFill>
-              <a:latin typeface="Arial" panose="020B0604020202020204" pitchFamily="34" charset="0"/>
-            </a:endParaRPr>
-          </a:p>
-          <a:p>
-            <a:pPr algn="l"/>
-            <a:r>
-              <a:rPr lang="en-US" sz="1400" b="0" dirty="0" err="1">
-                <a:solidFill>
-                  <a:srgbClr val="000000"/>
-                </a:solidFill>
-                <a:effectLst/>
-                <a:latin typeface="Courier New" panose="02070309020205020404" pitchFamily="49" charset="0"/>
-                <a:cs typeface="Courier New" panose="02070309020205020404" pitchFamily="49" charset="0"/>
-              </a:rPr>
-              <a:t>bedtools</a:t>
-            </a:r>
-            <a:r>
-              <a:rPr lang="en-US" sz="1400" b="0" dirty="0">
-                <a:solidFill>
-                  <a:srgbClr val="000000"/>
-                </a:solidFill>
-                <a:effectLst/>
-                <a:latin typeface="Courier New" panose="02070309020205020404" pitchFamily="49" charset="0"/>
-                <a:cs typeface="Courier New" panose="02070309020205020404" pitchFamily="49" charset="0"/>
-              </a:rPr>
-              <a:t> intersect -a H3K9me3_A549.intersect_with_G4_Li_KPDS.bed -b H3K9me3_H1.intersect_with_G4.bed &gt; H1_A549LiKPDS_intersect.bed</a:t>
-            </a:r>
-          </a:p>
-          <a:p>
-            <a:pPr algn="l"/>
-            <a:r>
-              <a:rPr lang="en-US" sz="1400" b="0" dirty="0">
-                <a:solidFill>
-                  <a:srgbClr val="000000"/>
-                </a:solidFill>
-                <a:effectLst/>
-                <a:latin typeface="Courier New" panose="02070309020205020404" pitchFamily="49" charset="0"/>
-                <a:cs typeface="Courier New" panose="02070309020205020404" pitchFamily="49" charset="0"/>
-              </a:rPr>
-              <a:t> </a:t>
-            </a:r>
-          </a:p>
-          <a:p>
-            <a:pPr algn="l"/>
-            <a:r>
-              <a:rPr lang="en-US" sz="1400" b="0" dirty="0" err="1">
-                <a:solidFill>
-                  <a:srgbClr val="000000"/>
-                </a:solidFill>
-                <a:effectLst/>
-                <a:latin typeface="Courier New" panose="02070309020205020404" pitchFamily="49" charset="0"/>
-                <a:cs typeface="Courier New" panose="02070309020205020404" pitchFamily="49" charset="0"/>
-              </a:rPr>
-              <a:t>bedtools</a:t>
-            </a:r>
-            <a:r>
-              <a:rPr lang="en-US" sz="1400" b="0" dirty="0">
-                <a:solidFill>
-                  <a:srgbClr val="000000"/>
-                </a:solidFill>
-                <a:effectLst/>
-                <a:latin typeface="Courier New" panose="02070309020205020404" pitchFamily="49" charset="0"/>
-                <a:cs typeface="Courier New" panose="02070309020205020404" pitchFamily="49" charset="0"/>
-              </a:rPr>
-              <a:t> intersect -a H1_A549LiKPDS_intersect.bed -b H3K9me3_A549.intersect_with_G4.bed &gt; H1_A549LiKPDS_A549LiK_intersect.bed</a:t>
-            </a:r>
-          </a:p>
-          <a:p>
-            <a:pPr algn="l">
-              <a:buFont typeface="Arial" panose="020B0604020202020204" pitchFamily="34" charset="0"/>
-              <a:buChar char="•"/>
-            </a:pPr>
-            <a:endParaRPr lang="en-US" sz="1400" b="0" dirty="0">
-              <a:solidFill>
-                <a:srgbClr val="000000"/>
-              </a:solidFill>
-              <a:effectLst/>
-              <a:latin typeface="Courier New" panose="02070309020205020404" pitchFamily="49" charset="0"/>
-              <a:cs typeface="Courier New" panose="02070309020205020404" pitchFamily="49" charset="0"/>
-            </a:endParaRPr>
-          </a:p>
-          <a:p>
-            <a:pPr algn="l"/>
-            <a:r>
-              <a:rPr lang="en-US" sz="1400" b="0" dirty="0" err="1">
-                <a:solidFill>
-                  <a:srgbClr val="000000"/>
-                </a:solidFill>
-                <a:effectLst/>
-                <a:latin typeface="Courier New" panose="02070309020205020404" pitchFamily="49" charset="0"/>
-                <a:cs typeface="Courier New" panose="02070309020205020404" pitchFamily="49" charset="0"/>
-              </a:rPr>
-              <a:t>bedtools</a:t>
-            </a:r>
-            <a:r>
-              <a:rPr lang="en-US" sz="1400" b="0" dirty="0">
-                <a:solidFill>
-                  <a:srgbClr val="000000"/>
-                </a:solidFill>
-                <a:effectLst/>
-                <a:latin typeface="Courier New" panose="02070309020205020404" pitchFamily="49" charset="0"/>
-                <a:cs typeface="Courier New" panose="02070309020205020404" pitchFamily="49" charset="0"/>
-              </a:rPr>
-              <a:t> intersect -a H1_A549LiKPDS_A549LiK_intersect.bed -b G4ChipIntersect.bed &gt; H1_A549LiKPDS_A549LiK_H9_intersect.bed</a:t>
-            </a:r>
-            <a:r>
-              <a:rPr lang="ru-RU" sz="2000" b="0" i="1" dirty="0">
-                <a:solidFill>
-                  <a:srgbClr val="000000"/>
-                </a:solidFill>
-                <a:effectLst/>
-                <a:latin typeface="-apple-system"/>
-              </a:rPr>
-              <a:t> </a:t>
-            </a:r>
-            <a:r>
-              <a:rPr lang="ru-RU" sz="2000" b="0" dirty="0">
-                <a:solidFill>
-                  <a:srgbClr val="000000"/>
-                </a:solidFill>
-                <a:effectLst/>
-                <a:latin typeface="-apple-system"/>
-              </a:rPr>
-              <a:t>(данное пересечение дало в результате 3 пика)</a:t>
-            </a:r>
-            <a:endParaRPr lang="en-US" sz="2000" b="0" i="1" dirty="0">
-              <a:solidFill>
-                <a:srgbClr val="000000"/>
-              </a:solidFill>
-              <a:effectLst/>
-              <a:latin typeface="-apple-system"/>
-            </a:endParaRPr>
-          </a:p>
-          <a:p>
-            <a:endParaRPr lang="ru-RU" sz="2000" b="0" i="0" u="none" strike="noStrike" dirty="0">
-              <a:solidFill>
-                <a:srgbClr val="000000"/>
-              </a:solidFill>
-              <a:effectLst/>
-              <a:latin typeface="Arial" panose="020B0604020202020204" pitchFamily="34" charset="0"/>
-            </a:endParaRPr>
-          </a:p>
-          <a:p>
-            <a:pPr marL="285750" indent="-285750">
-              <a:buFont typeface="Arial" panose="020B0604020202020204" pitchFamily="34" charset="0"/>
-              <a:buChar char="•"/>
-            </a:pPr>
-            <a:r>
-              <a:rPr lang="ru-RU" sz="2000" dirty="0"/>
-              <a:t> Пришлось убрать эксперимент, в котором было изначально 616 пиков, поскольку при пересечении пиков стало крайне мало</a:t>
-            </a:r>
-            <a:r>
-              <a:rPr lang="en-US" sz="2000" dirty="0"/>
-              <a:t> </a:t>
-            </a:r>
-            <a:r>
-              <a:rPr lang="ru-RU" sz="2000" dirty="0"/>
-              <a:t>(</a:t>
-            </a:r>
-            <a:r>
-              <a:rPr lang="en-US" sz="2000" dirty="0"/>
-              <a:t> &lt; 10 )</a:t>
-            </a:r>
-            <a:endParaRPr lang="ru-RU" sz="2000" dirty="0"/>
-          </a:p>
-        </p:txBody>
-      </p:sp>
-    </p:spTree>
-    <p:extLst>
-      <p:ext uri="{BB962C8B-B14F-4D97-AF65-F5344CB8AC3E}">
-        <p14:creationId xmlns:p14="http://schemas.microsoft.com/office/powerpoint/2010/main" val="687642606"/>
-      </p:ext>
-    </p:extLst>
-  </p:cSld>
-  <p:clrMapOvr>
-    <a:masterClrMapping/>
-  </p:clrMapOvr>
-</p:sld>
-</file>
-
 <file path=ppt/slides/slide7.xml><?xml version="1.0" encoding="utf-8"?>
 <p:sld xmlns:a="http://schemas.openxmlformats.org/drawingml/2006/main" xmlns:r="http://schemas.openxmlformats.org/officeDocument/2006/relationships" xmlns:p="http://schemas.openxmlformats.org/presentationml/2006/main">
   <p:cSld>
@@ -5909,7 +5798,7 @@
           <p:cNvPr id="2" name="Заголовок 1">
             <a:extLst>
               <a:ext uri="{FF2B5EF4-FFF2-40B4-BE49-F238E27FC236}">
-                <a16:creationId xmlns:a16="http://schemas.microsoft.com/office/drawing/2014/main" id="{3A8B5132-7787-4E6D-84C6-33B5555A43BD}"/>
+                <a16:creationId xmlns:a16="http://schemas.microsoft.com/office/drawing/2014/main" id="{E63CF956-312E-4C14-94B4-AFB6D2B459C8}"/>
               </a:ext>
             </a:extLst>
           </p:cNvPr>
@@ -5927,87 +5816,27 @@
           <a:p>
             <a:r>
               <a:rPr lang="ru-RU" dirty="0"/>
-              <a:t>Полученная статистика</a:t>
-            </a:r>
-          </a:p>
-        </p:txBody>
-      </p:sp>
-      <p:pic>
-        <p:nvPicPr>
-          <p:cNvPr id="4" name="Рисунок 3">
-            <a:extLst>
-              <a:ext uri="{FF2B5EF4-FFF2-40B4-BE49-F238E27FC236}">
-                <a16:creationId xmlns:a16="http://schemas.microsoft.com/office/drawing/2014/main" id="{88FE12A9-D323-4EBD-B7FE-D7DCFFEA80F4}"/>
-              </a:ext>
-            </a:extLst>
-          </p:cNvPr>
-          <p:cNvPicPr>
-            <a:picLocks noChangeAspect="1"/>
-          </p:cNvPicPr>
+              <a:t>Что было сделано?</a:t>
+            </a:r>
+          </a:p>
+        </p:txBody>
+      </p:sp>
+      <p:sp>
+        <p:nvSpPr>
+          <p:cNvPr id="4" name="TextBox 3">
+            <a:extLst>
+              <a:ext uri="{FF2B5EF4-FFF2-40B4-BE49-F238E27FC236}">
+                <a16:creationId xmlns:a16="http://schemas.microsoft.com/office/drawing/2014/main" id="{6876F5AB-F926-4E67-A1F6-9CF488468075}"/>
+              </a:ext>
+            </a:extLst>
+          </p:cNvPr>
+          <p:cNvSpPr txBox="1"/>
           <p:nvPr/>
-        </p:nvPicPr>
-        <p:blipFill>
-          <a:blip r:embed="rId2"/>
-          <a:stretch>
-            <a:fillRect/>
-          </a:stretch>
-        </p:blipFill>
+        </p:nvSpPr>
         <p:spPr>
           <a:xfrm>
-            <a:off x="838200" y="3294860"/>
-            <a:ext cx="5410994" cy="2333181"/>
-          </a:xfrm>
-          <a:prstGeom prst="rect">
-            <a:avLst/>
-          </a:prstGeom>
-        </p:spPr>
-      </p:pic>
-      <p:pic>
-        <p:nvPicPr>
-          <p:cNvPr id="6" name="Рисунок 5">
-            <a:extLst>
-              <a:ext uri="{FF2B5EF4-FFF2-40B4-BE49-F238E27FC236}">
-                <a16:creationId xmlns:a16="http://schemas.microsoft.com/office/drawing/2014/main" id="{BE50B957-B5D5-4548-BB3D-6E61DCBE25C9}"/>
-              </a:ext>
-            </a:extLst>
-          </p:cNvPr>
-          <p:cNvPicPr>
-            <a:picLocks noChangeAspect="1"/>
-          </p:cNvPicPr>
-          <p:nvPr/>
-        </p:nvPicPr>
-        <p:blipFill>
-          <a:blip r:embed="rId3"/>
-          <a:stretch>
-            <a:fillRect/>
-          </a:stretch>
-        </p:blipFill>
-        <p:spPr>
-          <a:xfrm>
-            <a:off x="6966628" y="2728079"/>
-            <a:ext cx="4304752" cy="2732640"/>
-          </a:xfrm>
-          <a:prstGeom prst="rect">
-            <a:avLst/>
-          </a:prstGeom>
-        </p:spPr>
-      </p:pic>
-      <p:sp>
-        <p:nvSpPr>
-          <p:cNvPr id="8" name="TextBox 7">
-            <a:extLst>
-              <a:ext uri="{FF2B5EF4-FFF2-40B4-BE49-F238E27FC236}">
-                <a16:creationId xmlns:a16="http://schemas.microsoft.com/office/drawing/2014/main" id="{C74AE0FF-BFF4-462A-845F-CAAD88136A3B}"/>
-              </a:ext>
-            </a:extLst>
-          </p:cNvPr>
-          <p:cNvSpPr txBox="1"/>
-          <p:nvPr/>
-        </p:nvSpPr>
-        <p:spPr>
-          <a:xfrm>
-            <a:off x="1173324" y="2358747"/>
-            <a:ext cx="6097554" cy="369332"/>
+            <a:off x="631370" y="1499510"/>
+            <a:ext cx="10722430" cy="4062651"/>
           </a:xfrm>
           <a:prstGeom prst="rect">
             <a:avLst/>
@@ -6020,61 +5849,247 @@
           </a:bodyPr>
           <a:lstStyle/>
           <a:p>
-            <a:r>
-              <a:rPr lang="ru-RU" dirty="0"/>
-              <a:t>Гистограмма распределения длин </a:t>
-            </a:r>
-            <a:r>
-              <a:rPr lang="ru-RU" dirty="0" err="1"/>
-              <a:t>intersect</a:t>
-            </a:r>
-            <a:r>
-              <a:rPr lang="ru-RU" dirty="0"/>
-              <a:t>-пиков</a:t>
-            </a:r>
-          </a:p>
-        </p:txBody>
-      </p:sp>
-      <p:sp>
-        <p:nvSpPr>
-          <p:cNvPr id="10" name="TextBox 9">
-            <a:extLst>
-              <a:ext uri="{FF2B5EF4-FFF2-40B4-BE49-F238E27FC236}">
-                <a16:creationId xmlns:a16="http://schemas.microsoft.com/office/drawing/2014/main" id="{A2116BA6-05B3-4B03-9275-ABA78BF8B379}"/>
-              </a:ext>
-            </a:extLst>
-          </p:cNvPr>
-          <p:cNvSpPr txBox="1"/>
-          <p:nvPr/>
-        </p:nvSpPr>
-        <p:spPr>
-          <a:xfrm>
-            <a:off x="6662057" y="2358747"/>
-            <a:ext cx="5327780" cy="646331"/>
-          </a:xfrm>
-          <a:prstGeom prst="rect">
-            <a:avLst/>
-          </a:prstGeom>
-          <a:noFill/>
-        </p:spPr>
-        <p:txBody>
-          <a:bodyPr wrap="square">
-            <a:spAutoFit/>
-          </a:bodyPr>
-          <a:lstStyle/>
-          <a:p>
-            <a:pPr algn="ctr"/>
-            <a:r>
-              <a:rPr lang="ru-RU" dirty="0"/>
-              <a:t>Расположение пиков относительно аннотированных генов</a:t>
-            </a:r>
+            <a:pPr marL="285750" indent="-285750">
+              <a:buFont typeface="Arial" panose="020B0604020202020204" pitchFamily="34" charset="0"/>
+              <a:buChar char="•"/>
+            </a:pPr>
+            <a:r>
+              <a:rPr lang="ru-RU" sz="2000" dirty="0">
+                <a:solidFill>
+                  <a:srgbClr val="000000"/>
+                </a:solidFill>
+                <a:latin typeface="Arial" panose="020B0604020202020204" pitchFamily="34" charset="0"/>
+              </a:rPr>
+              <a:t>К</a:t>
+            </a:r>
+            <a:r>
+              <a:rPr lang="ru-RU" sz="2000" b="0" i="0" u="none" strike="noStrike" dirty="0">
+                <a:solidFill>
+                  <a:srgbClr val="000000"/>
+                </a:solidFill>
+                <a:effectLst/>
+                <a:latin typeface="Arial" panose="020B0604020202020204" pitchFamily="34" charset="0"/>
+              </a:rPr>
+              <a:t>онвертация пиков мыши в пики человека не делалась</a:t>
+            </a:r>
+            <a:endParaRPr lang="en-US" sz="2000" b="0" i="0" u="none" strike="noStrike" dirty="0">
+              <a:solidFill>
+                <a:srgbClr val="000000"/>
+              </a:solidFill>
+              <a:effectLst/>
+              <a:latin typeface="Arial" panose="020B0604020202020204" pitchFamily="34" charset="0"/>
+            </a:endParaRPr>
+          </a:p>
+          <a:p>
+            <a:endParaRPr lang="en-US" sz="2000" b="0" i="0" u="none" strike="noStrike" dirty="0">
+              <a:solidFill>
+                <a:srgbClr val="000000"/>
+              </a:solidFill>
+              <a:effectLst/>
+              <a:latin typeface="Arial" panose="020B0604020202020204" pitchFamily="34" charset="0"/>
+            </a:endParaRPr>
+          </a:p>
+          <a:p>
+            <a:pPr marL="285750" indent="-285750">
+              <a:buFont typeface="Arial" panose="020B0604020202020204" pitchFamily="34" charset="0"/>
+              <a:buChar char="•"/>
+            </a:pPr>
+            <a:r>
+              <a:rPr lang="ru-RU" sz="2000" b="0" i="0" u="none" strike="noStrike" dirty="0">
+                <a:solidFill>
+                  <a:srgbClr val="000000"/>
+                </a:solidFill>
+                <a:effectLst/>
+                <a:latin typeface="Arial" panose="020B0604020202020204" pitchFamily="34" charset="0"/>
+              </a:rPr>
+              <a:t>Было с</a:t>
+            </a:r>
+            <a:r>
+              <a:rPr lang="ru-RU" sz="2000" dirty="0">
+                <a:solidFill>
+                  <a:srgbClr val="000000"/>
+                </a:solidFill>
+                <a:latin typeface="Arial" panose="020B0604020202020204" pitchFamily="34" charset="0"/>
+              </a:rPr>
+              <a:t>делано пересечение с помощью следующей команды:</a:t>
+            </a:r>
+          </a:p>
+          <a:p>
+            <a:endParaRPr lang="ru-RU" sz="2000" dirty="0">
+              <a:solidFill>
+                <a:srgbClr val="000000"/>
+              </a:solidFill>
+              <a:latin typeface="Arial" panose="020B0604020202020204" pitchFamily="34" charset="0"/>
+            </a:endParaRPr>
+          </a:p>
+          <a:p>
+            <a:pPr algn="l"/>
+            <a:r>
+              <a:rPr lang="en-US" sz="1400" b="0" dirty="0" err="1">
+                <a:solidFill>
+                  <a:srgbClr val="000000"/>
+                </a:solidFill>
+                <a:effectLst/>
+                <a:latin typeface="Courier New" panose="02070309020205020404" pitchFamily="49" charset="0"/>
+                <a:cs typeface="Courier New" panose="02070309020205020404" pitchFamily="49" charset="0"/>
+              </a:rPr>
+              <a:t>bedtools</a:t>
+            </a:r>
+            <a:r>
+              <a:rPr lang="en-US" sz="1400" b="0" dirty="0">
+                <a:solidFill>
+                  <a:srgbClr val="000000"/>
+                </a:solidFill>
+                <a:effectLst/>
+                <a:latin typeface="Courier New" panose="02070309020205020404" pitchFamily="49" charset="0"/>
+                <a:cs typeface="Courier New" panose="02070309020205020404" pitchFamily="49" charset="0"/>
+              </a:rPr>
+              <a:t> intersect -a H3K9me3_A549.intersect_with_G4_Li_KPDS.bed -b H3K9me3_H1.intersect_with_G4.bed &gt; H1_A549LiKPDS_intersect.bed</a:t>
+            </a:r>
+          </a:p>
+          <a:p>
+            <a:pPr algn="l"/>
+            <a:r>
+              <a:rPr lang="en-US" sz="1400" b="0" dirty="0">
+                <a:solidFill>
+                  <a:srgbClr val="000000"/>
+                </a:solidFill>
+                <a:effectLst/>
+                <a:latin typeface="Courier New" panose="02070309020205020404" pitchFamily="49" charset="0"/>
+                <a:cs typeface="Courier New" panose="02070309020205020404" pitchFamily="49" charset="0"/>
+              </a:rPr>
+              <a:t> </a:t>
+            </a:r>
+          </a:p>
+          <a:p>
+            <a:pPr algn="l"/>
+            <a:r>
+              <a:rPr lang="en-US" sz="1400" b="0" dirty="0" err="1">
+                <a:solidFill>
+                  <a:srgbClr val="000000"/>
+                </a:solidFill>
+                <a:effectLst/>
+                <a:latin typeface="Courier New" panose="02070309020205020404" pitchFamily="49" charset="0"/>
+                <a:cs typeface="Courier New" panose="02070309020205020404" pitchFamily="49" charset="0"/>
+              </a:rPr>
+              <a:t>bedtools</a:t>
+            </a:r>
+            <a:r>
+              <a:rPr lang="en-US" sz="1400" b="0" dirty="0">
+                <a:solidFill>
+                  <a:srgbClr val="000000"/>
+                </a:solidFill>
+                <a:effectLst/>
+                <a:latin typeface="Courier New" panose="02070309020205020404" pitchFamily="49" charset="0"/>
+                <a:cs typeface="Courier New" panose="02070309020205020404" pitchFamily="49" charset="0"/>
+              </a:rPr>
+              <a:t> intersect -a H1_A549LiKPDS_intersect.bed -b H3K9me3_A549.intersect_with_G4.bed &gt; H1_A549LiKPDS_A549LiK_intersect.bed</a:t>
+            </a:r>
+          </a:p>
+          <a:p>
+            <a:pPr algn="l">
+              <a:buFont typeface="Arial" panose="020B0604020202020204" pitchFamily="34" charset="0"/>
+              <a:buChar char="•"/>
+            </a:pPr>
+            <a:endParaRPr lang="en-US" sz="1400" b="0" dirty="0">
+              <a:solidFill>
+                <a:srgbClr val="000000"/>
+              </a:solidFill>
+              <a:effectLst/>
+              <a:latin typeface="Courier New" panose="02070309020205020404" pitchFamily="49" charset="0"/>
+              <a:cs typeface="Courier New" panose="02070309020205020404" pitchFamily="49" charset="0"/>
+            </a:endParaRPr>
+          </a:p>
+          <a:p>
+            <a:pPr algn="l"/>
+            <a:r>
+              <a:rPr lang="en-US" sz="1400" b="0" dirty="0" err="1">
+                <a:solidFill>
+                  <a:srgbClr val="000000"/>
+                </a:solidFill>
+                <a:effectLst/>
+                <a:latin typeface="Courier New" panose="02070309020205020404" pitchFamily="49" charset="0"/>
+                <a:cs typeface="Courier New" panose="02070309020205020404" pitchFamily="49" charset="0"/>
+              </a:rPr>
+              <a:t>bedtools</a:t>
+            </a:r>
+            <a:r>
+              <a:rPr lang="en-US" sz="1400" b="0" dirty="0">
+                <a:solidFill>
+                  <a:srgbClr val="000000"/>
+                </a:solidFill>
+                <a:effectLst/>
+                <a:latin typeface="Courier New" panose="02070309020205020404" pitchFamily="49" charset="0"/>
+                <a:cs typeface="Courier New" panose="02070309020205020404" pitchFamily="49" charset="0"/>
+              </a:rPr>
+              <a:t> intersect -a H1_A549LiKPDS_A549LiK_intersect.bed -b G4ChipIntersect.bed &gt; H1_A549LiKPDS_A549LiK_H9_intersect.bed</a:t>
+            </a:r>
+            <a:r>
+              <a:rPr lang="ru-RU" sz="2000" b="0" i="1" dirty="0">
+                <a:solidFill>
+                  <a:srgbClr val="000000"/>
+                </a:solidFill>
+                <a:effectLst/>
+                <a:latin typeface="-apple-system"/>
+              </a:rPr>
+              <a:t> </a:t>
+            </a:r>
+            <a:r>
+              <a:rPr lang="ru-RU" sz="2000" b="0" dirty="0">
+                <a:solidFill>
+                  <a:srgbClr val="000000"/>
+                </a:solidFill>
+                <a:effectLst/>
+                <a:latin typeface="-apple-system"/>
+              </a:rPr>
+              <a:t>(данное пересечение дало в результате 3 пика)</a:t>
+            </a:r>
+            <a:endParaRPr lang="en-US" sz="2000" b="0" i="1" dirty="0">
+              <a:solidFill>
+                <a:srgbClr val="000000"/>
+              </a:solidFill>
+              <a:effectLst/>
+              <a:latin typeface="-apple-system"/>
+            </a:endParaRPr>
+          </a:p>
+          <a:p>
+            <a:endParaRPr lang="ru-RU" sz="2000" b="0" i="0" u="none" strike="noStrike" dirty="0">
+              <a:solidFill>
+                <a:srgbClr val="000000"/>
+              </a:solidFill>
+              <a:effectLst/>
+              <a:latin typeface="Arial" panose="020B0604020202020204" pitchFamily="34" charset="0"/>
+            </a:endParaRPr>
+          </a:p>
+          <a:p>
+            <a:pPr marL="285750" indent="-285750">
+              <a:buFont typeface="Arial" panose="020B0604020202020204" pitchFamily="34" charset="0"/>
+              <a:buChar char="•"/>
+            </a:pPr>
+            <a:r>
+              <a:rPr lang="ru-RU" sz="2000" dirty="0"/>
+              <a:t> Пришлось убрать эксперимент, в котором было изначально 616 пиков, поскольку при пересечении пиков стало крайне мало</a:t>
+            </a:r>
+            <a:r>
+              <a:rPr lang="en-US" sz="2000" dirty="0"/>
+              <a:t> </a:t>
+            </a:r>
+            <a:r>
+              <a:rPr lang="ru-RU" sz="2000" dirty="0"/>
+              <a:t>(</a:t>
+            </a:r>
+            <a:r>
+              <a:rPr lang="en-US" sz="2000" dirty="0"/>
+              <a:t> &lt; 10 )</a:t>
+            </a:r>
+            <a:endParaRPr lang="ru-RU" sz="2000" dirty="0"/>
           </a:p>
         </p:txBody>
       </p:sp>
     </p:spTree>
     <p:extLst>
       <p:ext uri="{BB962C8B-B14F-4D97-AF65-F5344CB8AC3E}">
-        <p14:creationId xmlns:p14="http://schemas.microsoft.com/office/powerpoint/2010/main" val="1338485080"/>
+        <p14:creationId xmlns:p14="http://schemas.microsoft.com/office/powerpoint/2010/main" val="687642606"/>
       </p:ext>
     </p:extLst>
   </p:cSld>
@@ -6106,7 +6121,7 @@
           <p:cNvPr id="2" name="Заголовок 1">
             <a:extLst>
               <a:ext uri="{FF2B5EF4-FFF2-40B4-BE49-F238E27FC236}">
-                <a16:creationId xmlns:a16="http://schemas.microsoft.com/office/drawing/2014/main" id="{1D4BE45E-C917-4392-8042-E514E7AC4F16}"/>
+                <a16:creationId xmlns:a16="http://schemas.microsoft.com/office/drawing/2014/main" id="{3A8B5132-7787-4E6D-84C6-33B5555A43BD}"/>
               </a:ext>
             </a:extLst>
           </p:cNvPr>
@@ -6124,17 +6139,77 @@
           <a:p>
             <a:r>
               <a:rPr lang="ru-RU" dirty="0"/>
-              <a:t>Данные из Геномного Браузера</a:t>
-            </a:r>
-          </a:p>
-        </p:txBody>
-      </p:sp>
-      <p:sp>
-        <p:nvSpPr>
-          <p:cNvPr id="4" name="TextBox 3">
-            <a:extLst>
-              <a:ext uri="{FF2B5EF4-FFF2-40B4-BE49-F238E27FC236}">
-                <a16:creationId xmlns:a16="http://schemas.microsoft.com/office/drawing/2014/main" id="{7EBAD47A-804E-4AB8-ACB9-0EF5D82783DC}"/>
+              <a:t>Полученная статистика</a:t>
+            </a:r>
+          </a:p>
+        </p:txBody>
+      </p:sp>
+      <p:pic>
+        <p:nvPicPr>
+          <p:cNvPr id="4" name="Рисунок 3">
+            <a:extLst>
+              <a:ext uri="{FF2B5EF4-FFF2-40B4-BE49-F238E27FC236}">
+                <a16:creationId xmlns:a16="http://schemas.microsoft.com/office/drawing/2014/main" id="{88FE12A9-D323-4EBD-B7FE-D7DCFFEA80F4}"/>
+              </a:ext>
+            </a:extLst>
+          </p:cNvPr>
+          <p:cNvPicPr>
+            <a:picLocks noChangeAspect="1"/>
+          </p:cNvPicPr>
+          <p:nvPr/>
+        </p:nvPicPr>
+        <p:blipFill>
+          <a:blip r:embed="rId2"/>
+          <a:stretch>
+            <a:fillRect/>
+          </a:stretch>
+        </p:blipFill>
+        <p:spPr>
+          <a:xfrm>
+            <a:off x="838200" y="3294860"/>
+            <a:ext cx="5410994" cy="2333181"/>
+          </a:xfrm>
+          <a:prstGeom prst="rect">
+            <a:avLst/>
+          </a:prstGeom>
+        </p:spPr>
+      </p:pic>
+      <p:pic>
+        <p:nvPicPr>
+          <p:cNvPr id="6" name="Рисунок 5">
+            <a:extLst>
+              <a:ext uri="{FF2B5EF4-FFF2-40B4-BE49-F238E27FC236}">
+                <a16:creationId xmlns:a16="http://schemas.microsoft.com/office/drawing/2014/main" id="{BE50B957-B5D5-4548-BB3D-6E61DCBE25C9}"/>
+              </a:ext>
+            </a:extLst>
+          </p:cNvPr>
+          <p:cNvPicPr>
+            <a:picLocks noChangeAspect="1"/>
+          </p:cNvPicPr>
+          <p:nvPr/>
+        </p:nvPicPr>
+        <p:blipFill>
+          <a:blip r:embed="rId3"/>
+          <a:stretch>
+            <a:fillRect/>
+          </a:stretch>
+        </p:blipFill>
+        <p:spPr>
+          <a:xfrm>
+            <a:off x="6966628" y="2728079"/>
+            <a:ext cx="4304752" cy="2732640"/>
+          </a:xfrm>
+          <a:prstGeom prst="rect">
+            <a:avLst/>
+          </a:prstGeom>
+        </p:spPr>
+      </p:pic>
+      <p:sp>
+        <p:nvSpPr>
+          <p:cNvPr id="8" name="TextBox 7">
+            <a:extLst>
+              <a:ext uri="{FF2B5EF4-FFF2-40B4-BE49-F238E27FC236}">
+                <a16:creationId xmlns:a16="http://schemas.microsoft.com/office/drawing/2014/main" id="{C74AE0FF-BFF4-462A-845F-CAAD88136A3B}"/>
               </a:ext>
             </a:extLst>
           </p:cNvPr>
@@ -6143,8 +6218,8 @@
         </p:nvSpPr>
         <p:spPr>
           <a:xfrm>
-            <a:off x="838197" y="5905018"/>
-            <a:ext cx="10386527" cy="369332"/>
+            <a:off x="1173324" y="2358747"/>
+            <a:ext cx="6097554" cy="369332"/>
           </a:xfrm>
           <a:prstGeom prst="rect">
             <a:avLst/>
@@ -6158,66 +6233,60 @@
           <a:lstStyle/>
           <a:p>
             <a:r>
-              <a:rPr lang="ru-RU" dirty="0">
-                <a:hlinkClick r:id="rId2"/>
-              </a:rPr>
-              <a:t>http://genome.ucsc.edu/s/mausenkova/hse21_H3K9me3_G4_human_group</a:t>
-            </a:r>
-            <a:endParaRPr lang="ru-RU" dirty="0"/>
-          </a:p>
-        </p:txBody>
-      </p:sp>
-      <p:pic>
-        <p:nvPicPr>
-          <p:cNvPr id="1026" name="Picture 2">
-            <a:extLst>
-              <a:ext uri="{FF2B5EF4-FFF2-40B4-BE49-F238E27FC236}">
-                <a16:creationId xmlns:a16="http://schemas.microsoft.com/office/drawing/2014/main" id="{C4DF673E-F622-4C23-9AE6-756373747BB5}"/>
-              </a:ext>
-            </a:extLst>
-          </p:cNvPr>
-          <p:cNvPicPr>
-            <a:picLocks noChangeAspect="1" noChangeArrowheads="1"/>
-          </p:cNvPicPr>
+              <a:rPr lang="ru-RU" dirty="0"/>
+              <a:t>Гистограмма распределения длин </a:t>
+            </a:r>
+            <a:r>
+              <a:rPr lang="ru-RU" dirty="0" err="1"/>
+              <a:t>intersect</a:t>
+            </a:r>
+            <a:r>
+              <a:rPr lang="ru-RU" dirty="0"/>
+              <a:t>-пиков</a:t>
+            </a:r>
+          </a:p>
+        </p:txBody>
+      </p:sp>
+      <p:sp>
+        <p:nvSpPr>
+          <p:cNvPr id="10" name="TextBox 9">
+            <a:extLst>
+              <a:ext uri="{FF2B5EF4-FFF2-40B4-BE49-F238E27FC236}">
+                <a16:creationId xmlns:a16="http://schemas.microsoft.com/office/drawing/2014/main" id="{A2116BA6-05B3-4B03-9275-ABA78BF8B379}"/>
+              </a:ext>
+            </a:extLst>
+          </p:cNvPr>
+          <p:cNvSpPr txBox="1"/>
           <p:nvPr/>
-        </p:nvPicPr>
-        <p:blipFill>
-          <a:blip r:embed="rId3">
-            <a:extLst>
-              <a:ext uri="{28A0092B-C50C-407E-A947-70E740481C1C}">
-                <a14:useLocalDpi xmlns:a14="http://schemas.microsoft.com/office/drawing/2010/main" val="0"/>
-              </a:ext>
-            </a:extLst>
-          </a:blip>
-          <a:srcRect/>
-          <a:stretch>
-            <a:fillRect/>
-          </a:stretch>
-        </p:blipFill>
-        <p:spPr bwMode="auto">
+        </p:nvSpPr>
+        <p:spPr>
           <a:xfrm>
-            <a:off x="746449" y="1594951"/>
-            <a:ext cx="10151706" cy="3668097"/>
+            <a:off x="6662057" y="2358747"/>
+            <a:ext cx="5327780" cy="646331"/>
           </a:xfrm>
           <a:prstGeom prst="rect">
             <a:avLst/>
           </a:prstGeom>
           <a:noFill/>
-          <a:extLst>
-            <a:ext uri="{909E8E84-426E-40DD-AFC4-6F175D3DCCD1}">
-              <a14:hiddenFill xmlns:a14="http://schemas.microsoft.com/office/drawing/2010/main">
-                <a:solidFill>
-                  <a:srgbClr val="FFFFFF"/>
-                </a:solidFill>
-              </a14:hiddenFill>
-            </a:ext>
-          </a:extLst>
         </p:spPr>
-      </p:pic>
+        <p:txBody>
+          <a:bodyPr wrap="square">
+            <a:spAutoFit/>
+          </a:bodyPr>
+          <a:lstStyle/>
+          <a:p>
+            <a:pPr algn="ctr"/>
+            <a:r>
+              <a:rPr lang="ru-RU" dirty="0"/>
+              <a:t>Расположение пиков относительно аннотированных генов</a:t>
+            </a:r>
+          </a:p>
+        </p:txBody>
+      </p:sp>
     </p:spTree>
     <p:extLst>
       <p:ext uri="{BB962C8B-B14F-4D97-AF65-F5344CB8AC3E}">
-        <p14:creationId xmlns:p14="http://schemas.microsoft.com/office/powerpoint/2010/main" val="303043625"/>
+        <p14:creationId xmlns:p14="http://schemas.microsoft.com/office/powerpoint/2010/main" val="1338485080"/>
       </p:ext>
     </p:extLst>
   </p:cSld>
@@ -6272,51 +6341,21 @@
           </a:p>
         </p:txBody>
       </p:sp>
-      <p:pic>
-        <p:nvPicPr>
-          <p:cNvPr id="5" name="Рисунок 4">
-            <a:extLst>
-              <a:ext uri="{FF2B5EF4-FFF2-40B4-BE49-F238E27FC236}">
-                <a16:creationId xmlns:a16="http://schemas.microsoft.com/office/drawing/2014/main" id="{C86834E4-893F-4936-9A4D-1AF4506B5C3F}"/>
-              </a:ext>
-            </a:extLst>
-          </p:cNvPr>
-          <p:cNvPicPr>
-            <a:picLocks noChangeAspect="1"/>
-          </p:cNvPicPr>
+      <p:sp>
+        <p:nvSpPr>
+          <p:cNvPr id="4" name="TextBox 3">
+            <a:extLst>
+              <a:ext uri="{FF2B5EF4-FFF2-40B4-BE49-F238E27FC236}">
+                <a16:creationId xmlns:a16="http://schemas.microsoft.com/office/drawing/2014/main" id="{7EBAD47A-804E-4AB8-ACB9-0EF5D82783DC}"/>
+              </a:ext>
+            </a:extLst>
+          </p:cNvPr>
+          <p:cNvSpPr txBox="1"/>
           <p:nvPr/>
-        </p:nvPicPr>
-        <p:blipFill>
-          <a:blip r:embed="rId2"/>
-          <a:stretch>
-            <a:fillRect/>
-          </a:stretch>
-        </p:blipFill>
+        </p:nvSpPr>
         <p:spPr>
           <a:xfrm>
-            <a:off x="914400" y="1480739"/>
-            <a:ext cx="10045959" cy="4338028"/>
-          </a:xfrm>
-          <a:prstGeom prst="rect">
-            <a:avLst/>
-          </a:prstGeom>
-        </p:spPr>
-      </p:pic>
-      <p:sp>
-        <p:nvSpPr>
-          <p:cNvPr id="7" name="TextBox 6">
-            <a:extLst>
-              <a:ext uri="{FF2B5EF4-FFF2-40B4-BE49-F238E27FC236}">
-                <a16:creationId xmlns:a16="http://schemas.microsoft.com/office/drawing/2014/main" id="{99FD1609-1CF3-4480-B153-79B9A22BF9B1}"/>
-              </a:ext>
-            </a:extLst>
-          </p:cNvPr>
-          <p:cNvSpPr txBox="1"/>
-          <p:nvPr/>
-        </p:nvSpPr>
-        <p:spPr>
-          <a:xfrm>
-            <a:off x="838200" y="6029426"/>
+            <a:off x="838197" y="5905018"/>
             <a:ext cx="10386527" cy="369332"/>
           </a:xfrm>
           <a:prstGeom prst="rect">
@@ -6332,9 +6371,103 @@
           <a:p>
             <a:r>
               <a:rPr lang="ru-RU" dirty="0">
-                <a:hlinkClick r:id="rId3"/>
+                <a:hlinkClick r:id="rId2"/>
               </a:rPr>
               <a:t>http://genome.ucsc.edu/s/mausenkova/hse21_H3K9me3_G4_human_group</a:t>
+            </a:r>
+            <a:endParaRPr lang="ru-RU" dirty="0"/>
+          </a:p>
+        </p:txBody>
+      </p:sp>
+      <p:pic>
+        <p:nvPicPr>
+          <p:cNvPr id="5" name="Рисунок 4">
+            <a:extLst>
+              <a:ext uri="{FF2B5EF4-FFF2-40B4-BE49-F238E27FC236}">
+                <a16:creationId xmlns:a16="http://schemas.microsoft.com/office/drawing/2014/main" id="{48383794-2DDD-432D-AA55-06831531E85D}"/>
+              </a:ext>
+            </a:extLst>
+          </p:cNvPr>
+          <p:cNvPicPr>
+            <a:picLocks noChangeAspect="1"/>
+          </p:cNvPicPr>
+          <p:nvPr/>
+        </p:nvPicPr>
+        <p:blipFill>
+          <a:blip r:embed="rId3">
+            <a:extLst>
+              <a:ext uri="{28A0092B-C50C-407E-A947-70E740481C1C}">
+                <a14:useLocalDpi xmlns:a14="http://schemas.microsoft.com/office/drawing/2010/main" val="0"/>
+              </a:ext>
+            </a:extLst>
+          </a:blip>
+          <a:stretch>
+            <a:fillRect/>
+          </a:stretch>
+        </p:blipFill>
+        <p:spPr>
+          <a:xfrm>
+            <a:off x="0" y="2036823"/>
+            <a:ext cx="12192000" cy="2784354"/>
+          </a:xfrm>
+          <a:prstGeom prst="rect">
+            <a:avLst/>
+          </a:prstGeom>
+        </p:spPr>
+      </p:pic>
+      <p:sp>
+        <p:nvSpPr>
+          <p:cNvPr id="3" name="Прямоугольник 2">
+            <a:extLst>
+              <a:ext uri="{FF2B5EF4-FFF2-40B4-BE49-F238E27FC236}">
+                <a16:creationId xmlns:a16="http://schemas.microsoft.com/office/drawing/2014/main" id="{11EA8E8B-51F7-4178-90AF-335A720C040F}"/>
+              </a:ext>
+            </a:extLst>
+          </p:cNvPr>
+          <p:cNvSpPr/>
+          <p:nvPr/>
+        </p:nvSpPr>
+        <p:spPr>
+          <a:xfrm>
+            <a:off x="838197" y="5167312"/>
+            <a:ext cx="6361229" cy="646331"/>
+          </a:xfrm>
+          <a:prstGeom prst="rect">
+            <a:avLst/>
+          </a:prstGeom>
+        </p:spPr>
+        <p:txBody>
+          <a:bodyPr wrap="none">
+            <a:spAutoFit/>
+          </a:bodyPr>
+          <a:lstStyle/>
+          <a:p>
+            <a:r>
+              <a:rPr lang="en-US" dirty="0" err="1"/>
+              <a:t>UniProtKB</a:t>
+            </a:r>
+            <a:r>
+              <a:rPr lang="en-US" dirty="0"/>
+              <a:t>/Swiss-</a:t>
+            </a:r>
+            <a:r>
+              <a:rPr lang="en-US" dirty="0" err="1"/>
+              <a:t>Prot</a:t>
+            </a:r>
+            <a:r>
+              <a:rPr lang="en-US" dirty="0"/>
+              <a:t> Summary for ZNF678 Gene</a:t>
+            </a:r>
+            <a:r>
+              <a:rPr lang="ru-RU" dirty="0"/>
+              <a:t>:</a:t>
+            </a:r>
+            <a:br>
+              <a:rPr lang="ru-RU" dirty="0"/>
+            </a:br>
+            <a:r>
+              <a:rPr lang="en-US" dirty="0"/>
+              <a:t>May be involved in transcriptional regulation, protein coding gene</a:t>
             </a:r>
             <a:endParaRPr lang="ru-RU" dirty="0"/>
           </a:p>
@@ -6343,7 +6476,7 @@
     </p:spTree>
     <p:extLst>
       <p:ext uri="{BB962C8B-B14F-4D97-AF65-F5344CB8AC3E}">
-        <p14:creationId xmlns:p14="http://schemas.microsoft.com/office/powerpoint/2010/main" val="2995368199"/>
+        <p14:creationId xmlns:p14="http://schemas.microsoft.com/office/powerpoint/2010/main" val="303043625"/>
       </p:ext>
     </p:extLst>
   </p:cSld>
